--- a/slides/Mudança dos pesos com a padronização.pptx
+++ b/slides/Mudança dos pesos com a padronização.pptx
@@ -6,7 +6,7 @@
   </p:sldMasterIdLst>
   <p:sldIdLst>
     <p:sldId id="256" r:id="rId2"/>
-    <p:sldId id="257" r:id="rId3"/>
+    <p:sldId id="258" r:id="rId3"/>
   </p:sldIdLst>
   <p:sldSz cx="12192000" cy="6858000"/>
   <p:notesSz cx="6858000" cy="9144000"/>
@@ -105,6 +105,11 @@
       </a:defRPr>
     </a:lvl9pPr>
   </p:defaultTextStyle>
+  <p:extLst>
+    <p:ext uri="{EFAFB233-063F-42B5-8137-9DF3F51BA10A}">
+      <p15:sldGuideLst xmlns:p15="http://schemas.microsoft.com/office/powerpoint/2012/main"/>
+    </p:ext>
+  </p:extLst>
 </p:presentation>
 </file>
 
@@ -239,7 +244,7 @@
           <a:p>
             <a:fld id="{0897FD0D-B3AE-49C2-AF98-7FCA0C81DE07}" type="datetimeFigureOut">
               <a:rPr lang="pt-BR" smtClean="0"/>
-              <a:t>11/11/2022</a:t>
+              <a:t>19/05/2023</a:t>
             </a:fld>
             <a:endParaRPr lang="pt-BR"/>
           </a:p>
@@ -409,7 +414,7 @@
           <a:p>
             <a:fld id="{0897FD0D-B3AE-49C2-AF98-7FCA0C81DE07}" type="datetimeFigureOut">
               <a:rPr lang="pt-BR" smtClean="0"/>
-              <a:t>11/11/2022</a:t>
+              <a:t>19/05/2023</a:t>
             </a:fld>
             <a:endParaRPr lang="pt-BR"/>
           </a:p>
@@ -589,7 +594,7 @@
           <a:p>
             <a:fld id="{0897FD0D-B3AE-49C2-AF98-7FCA0C81DE07}" type="datetimeFigureOut">
               <a:rPr lang="pt-BR" smtClean="0"/>
-              <a:t>11/11/2022</a:t>
+              <a:t>19/05/2023</a:t>
             </a:fld>
             <a:endParaRPr lang="pt-BR"/>
           </a:p>
@@ -759,7 +764,7 @@
           <a:p>
             <a:fld id="{0897FD0D-B3AE-49C2-AF98-7FCA0C81DE07}" type="datetimeFigureOut">
               <a:rPr lang="pt-BR" smtClean="0"/>
-              <a:t>11/11/2022</a:t>
+              <a:t>19/05/2023</a:t>
             </a:fld>
             <a:endParaRPr lang="pt-BR"/>
           </a:p>
@@ -1005,7 +1010,7 @@
           <a:p>
             <a:fld id="{0897FD0D-B3AE-49C2-AF98-7FCA0C81DE07}" type="datetimeFigureOut">
               <a:rPr lang="pt-BR" smtClean="0"/>
-              <a:t>11/11/2022</a:t>
+              <a:t>19/05/2023</a:t>
             </a:fld>
             <a:endParaRPr lang="pt-BR"/>
           </a:p>
@@ -1237,7 +1242,7 @@
           <a:p>
             <a:fld id="{0897FD0D-B3AE-49C2-AF98-7FCA0C81DE07}" type="datetimeFigureOut">
               <a:rPr lang="pt-BR" smtClean="0"/>
-              <a:t>11/11/2022</a:t>
+              <a:t>19/05/2023</a:t>
             </a:fld>
             <a:endParaRPr lang="pt-BR"/>
           </a:p>
@@ -1604,7 +1609,7 @@
           <a:p>
             <a:fld id="{0897FD0D-B3AE-49C2-AF98-7FCA0C81DE07}" type="datetimeFigureOut">
               <a:rPr lang="pt-BR" smtClean="0"/>
-              <a:t>11/11/2022</a:t>
+              <a:t>19/05/2023</a:t>
             </a:fld>
             <a:endParaRPr lang="pt-BR"/>
           </a:p>
@@ -1722,7 +1727,7 @@
           <a:p>
             <a:fld id="{0897FD0D-B3AE-49C2-AF98-7FCA0C81DE07}" type="datetimeFigureOut">
               <a:rPr lang="pt-BR" smtClean="0"/>
-              <a:t>11/11/2022</a:t>
+              <a:t>19/05/2023</a:t>
             </a:fld>
             <a:endParaRPr lang="pt-BR"/>
           </a:p>
@@ -1817,7 +1822,7 @@
           <a:p>
             <a:fld id="{0897FD0D-B3AE-49C2-AF98-7FCA0C81DE07}" type="datetimeFigureOut">
               <a:rPr lang="pt-BR" smtClean="0"/>
-              <a:t>11/11/2022</a:t>
+              <a:t>19/05/2023</a:t>
             </a:fld>
             <a:endParaRPr lang="pt-BR"/>
           </a:p>
@@ -2094,7 +2099,7 @@
           <a:p>
             <a:fld id="{0897FD0D-B3AE-49C2-AF98-7FCA0C81DE07}" type="datetimeFigureOut">
               <a:rPr lang="pt-BR" smtClean="0"/>
-              <a:t>11/11/2022</a:t>
+              <a:t>19/05/2023</a:t>
             </a:fld>
             <a:endParaRPr lang="pt-BR"/>
           </a:p>
@@ -2347,7 +2352,7 @@
           <a:p>
             <a:fld id="{0897FD0D-B3AE-49C2-AF98-7FCA0C81DE07}" type="datetimeFigureOut">
               <a:rPr lang="pt-BR" smtClean="0"/>
-              <a:t>11/11/2022</a:t>
+              <a:t>19/05/2023</a:t>
             </a:fld>
             <a:endParaRPr lang="pt-BR"/>
           </a:p>
@@ -2560,7 +2565,7 @@
           <a:p>
             <a:fld id="{0897FD0D-B3AE-49C2-AF98-7FCA0C81DE07}" type="datetimeFigureOut">
               <a:rPr lang="pt-BR" smtClean="0"/>
-              <a:t>11/11/2022</a:t>
+              <a:t>19/05/2023</a:t>
             </a:fld>
             <a:endParaRPr lang="pt-BR"/>
           </a:p>
@@ -3047,12 +3052,20 @@
             <p:ph type="title"/>
           </p:nvPr>
         </p:nvSpPr>
-        <p:spPr/>
-        <p:txBody>
-          <a:bodyPr/>
-          <a:lstStyle/>
-          <a:p>
-            <a:endParaRPr lang="pt-BR"/>
+        <p:spPr>
+          <a:xfrm>
+            <a:off x="838199" y="190954"/>
+            <a:ext cx="10515600" cy="1028246"/>
+          </a:xfrm>
+        </p:spPr>
+        <p:txBody>
+          <a:bodyPr/>
+          <a:lstStyle/>
+          <a:p>
+            <a:r>
+              <a:rPr lang="pt-BR" dirty="0"/>
+              <a:t>Mudança dos pesos com a padronização</a:t>
+            </a:r>
           </a:p>
         </p:txBody>
       </p:sp>
@@ -3068,10 +3081,171 @@
                 <p:ph idx="1"/>
               </p:nvPr>
             </p:nvSpPr>
-            <p:spPr/>
+            <p:spPr>
+              <a:xfrm>
+                <a:off x="838199" y="1825624"/>
+                <a:ext cx="11005457" cy="5032375"/>
+              </a:xfrm>
+            </p:spPr>
             <p:txBody>
-              <a:bodyPr/>
+              <a:bodyPr>
+                <a:normAutofit fontScale="85000" lnSpcReduction="20000"/>
+              </a:bodyPr>
               <a:lstStyle/>
+              <a:p>
+                <a:pPr marL="0" indent="0">
+                  <a:buNone/>
+                </a:pPr>
+                <a:r>
+                  <a:rPr lang="pt-BR" dirty="0"/>
+                  <a:t>Considerando a seguinte função hipótese</a:t>
+                </a:r>
+              </a:p>
+              <a:p>
+                <a:pPr marL="0" indent="0">
+                  <a:buNone/>
+                </a:pPr>
+                <a14:m>
+                  <m:oMathPara xmlns:m="http://schemas.openxmlformats.org/officeDocument/2006/math">
+                    <m:oMathParaPr>
+                      <m:jc m:val="centerGroup"/>
+                    </m:oMathParaPr>
+                    <m:oMath xmlns:m="http://schemas.openxmlformats.org/officeDocument/2006/math">
+                      <m:acc>
+                        <m:accPr>
+                          <m:chr m:val="̂"/>
+                          <m:ctrlPr>
+                            <a:rPr lang="pt-BR" i="1">
+                              <a:latin typeface="Cambria Math" panose="02040503050406030204" pitchFamily="18" charset="0"/>
+                            </a:rPr>
+                          </m:ctrlPr>
+                        </m:accPr>
+                        <m:e>
+                          <m:r>
+                            <a:rPr lang="pt-BR" i="1">
+                              <a:latin typeface="Cambria Math" panose="02040503050406030204" pitchFamily="18" charset="0"/>
+                            </a:rPr>
+                            <m:t>𝑦</m:t>
+                          </m:r>
+                        </m:e>
+                      </m:acc>
+                      <m:r>
+                        <a:rPr lang="pt-BR" i="1">
+                          <a:latin typeface="Cambria Math" panose="02040503050406030204" pitchFamily="18" charset="0"/>
+                        </a:rPr>
+                        <m:t>=</m:t>
+                      </m:r>
+                      <m:sSub>
+                        <m:sSubPr>
+                          <m:ctrlPr>
+                            <a:rPr lang="pt-BR" i="1">
+                              <a:latin typeface="Cambria Math" panose="02040503050406030204" pitchFamily="18" charset="0"/>
+                            </a:rPr>
+                          </m:ctrlPr>
+                        </m:sSubPr>
+                        <m:e>
+                          <m:acc>
+                            <m:accPr>
+                              <m:chr m:val="̂"/>
+                              <m:ctrlPr>
+                                <a:rPr lang="pt-BR" i="1">
+                                  <a:latin typeface="Cambria Math" panose="02040503050406030204" pitchFamily="18" charset="0"/>
+                                </a:rPr>
+                              </m:ctrlPr>
+                            </m:accPr>
+                            <m:e>
+                              <m:r>
+                                <a:rPr lang="pt-BR" i="1">
+                                  <a:latin typeface="Cambria Math" panose="02040503050406030204" pitchFamily="18" charset="0"/>
+                                </a:rPr>
+                                <m:t>𝑎</m:t>
+                              </m:r>
+                            </m:e>
+                          </m:acc>
+                        </m:e>
+                        <m:sub>
+                          <m:r>
+                            <a:rPr lang="pt-BR" i="1">
+                              <a:latin typeface="Cambria Math" panose="02040503050406030204" pitchFamily="18" charset="0"/>
+                            </a:rPr>
+                            <m:t>1</m:t>
+                          </m:r>
+                        </m:sub>
+                      </m:sSub>
+                      <m:sSub>
+                        <m:sSubPr>
+                          <m:ctrlPr>
+                            <a:rPr lang="pt-BR" i="1">
+                              <a:latin typeface="Cambria Math" panose="02040503050406030204" pitchFamily="18" charset="0"/>
+                            </a:rPr>
+                          </m:ctrlPr>
+                        </m:sSubPr>
+                        <m:e>
+                          <m:r>
+                            <a:rPr lang="pt-BR" i="1">
+                              <a:latin typeface="Cambria Math" panose="02040503050406030204" pitchFamily="18" charset="0"/>
+                            </a:rPr>
+                            <m:t>𝑥</m:t>
+                          </m:r>
+                        </m:e>
+                        <m:sub>
+                          <m:r>
+                            <a:rPr lang="pt-BR" i="1">
+                              <a:latin typeface="Cambria Math" panose="02040503050406030204" pitchFamily="18" charset="0"/>
+                            </a:rPr>
+                            <m:t>1</m:t>
+                          </m:r>
+                        </m:sub>
+                      </m:sSub>
+                    </m:oMath>
+                  </m:oMathPara>
+                </a14:m>
+                <a:endParaRPr lang="pt-BR" i="1" dirty="0">
+                  <a:latin typeface="Cambria Math" panose="02040503050406030204" pitchFamily="18" charset="0"/>
+                </a:endParaRPr>
+              </a:p>
+              <a:p>
+                <a:pPr marL="0" indent="0">
+                  <a:buNone/>
+                </a:pPr>
+                <a:r>
+                  <a:rPr lang="pt-BR" dirty="0"/>
+                  <a:t>Se padronizarmos </a:t>
+                </a:r>
+                <a14:m>
+                  <m:oMath xmlns:m="http://schemas.openxmlformats.org/officeDocument/2006/math">
+                    <m:sSub>
+                      <m:sSubPr>
+                        <m:ctrlPr>
+                          <a:rPr lang="pt-BR" i="1">
+                            <a:latin typeface="Cambria Math" panose="02040503050406030204" pitchFamily="18" charset="0"/>
+                          </a:rPr>
+                        </m:ctrlPr>
+                      </m:sSubPr>
+                      <m:e>
+                        <m:r>
+                          <a:rPr lang="pt-BR" i="1">
+                            <a:latin typeface="Cambria Math" panose="02040503050406030204" pitchFamily="18" charset="0"/>
+                          </a:rPr>
+                          <m:t>𝑥</m:t>
+                        </m:r>
+                      </m:e>
+                      <m:sub>
+                        <m:r>
+                          <a:rPr lang="pt-BR" i="1">
+                            <a:latin typeface="Cambria Math" panose="02040503050406030204" pitchFamily="18" charset="0"/>
+                          </a:rPr>
+                          <m:t>1</m:t>
+                        </m:r>
+                      </m:sub>
+                    </m:sSub>
+                  </m:oMath>
+                </a14:m>
+                <a:r>
+                  <a:rPr lang="pt-BR" dirty="0"/>
+                  <a:t>, teremos</a:t>
+                </a:r>
+              </a:p>
               <a:p>
                 <a:pPr marL="0" indent="0">
                   <a:buNone/>
@@ -3085,14 +3259,14 @@
                       <m:sSubSup>
                         <m:sSubSupPr>
                           <m:ctrlPr>
-                            <a:rPr lang="pt-BR" i="1" smtClean="0">
+                            <a:rPr lang="pt-BR" i="1">
                               <a:latin typeface="Cambria Math" panose="02040503050406030204" pitchFamily="18" charset="0"/>
                             </a:rPr>
                           </m:ctrlPr>
                         </m:sSubSupPr>
                         <m:e>
                           <m:r>
-                            <a:rPr lang="pt-BR" b="0" i="1" smtClean="0">
+                            <a:rPr lang="pt-BR" i="1">
                               <a:latin typeface="Cambria Math" panose="02040503050406030204" pitchFamily="18" charset="0"/>
                             </a:rPr>
                             <m:t>𝑥</m:t>
@@ -3100,7 +3274,7 @@
                         </m:e>
                         <m:sub>
                           <m:r>
-                            <a:rPr lang="pt-BR" b="0" i="1" smtClean="0">
+                            <a:rPr lang="pt-BR" i="1">
                               <a:latin typeface="Cambria Math" panose="02040503050406030204" pitchFamily="18" charset="0"/>
                             </a:rPr>
                             <m:t>1</m:t>
@@ -3108,7 +3282,7 @@
                         </m:sub>
                         <m:sup>
                           <m:r>
-                            <a:rPr lang="pt-BR" b="0" i="1" smtClean="0">
+                            <a:rPr lang="pt-BR" i="1">
                               <a:latin typeface="Cambria Math" panose="02040503050406030204" pitchFamily="18" charset="0"/>
                             </a:rPr>
                             <m:t>′</m:t>
@@ -3116,7 +3290,7 @@
                         </m:sup>
                       </m:sSubSup>
                       <m:r>
-                        <a:rPr lang="pt-BR" b="0" i="1" smtClean="0">
+                        <a:rPr lang="pt-BR" i="1">
                           <a:latin typeface="Cambria Math" panose="02040503050406030204" pitchFamily="18" charset="0"/>
                         </a:rPr>
                         <m:t>=</m:t>
@@ -3124,7 +3298,7 @@
                       <m:f>
                         <m:fPr>
                           <m:ctrlPr>
-                            <a:rPr lang="pt-BR" b="0" i="1" smtClean="0">
+                            <a:rPr lang="pt-BR" i="1">
                               <a:latin typeface="Cambria Math" panose="02040503050406030204" pitchFamily="18" charset="0"/>
                             </a:rPr>
                           </m:ctrlPr>
@@ -3133,14 +3307,14 @@
                           <m:sSub>
                             <m:sSubPr>
                               <m:ctrlPr>
-                                <a:rPr lang="pt-BR" b="0" i="1" smtClean="0">
+                                <a:rPr lang="pt-BR" i="1">
                                   <a:latin typeface="Cambria Math" panose="02040503050406030204" pitchFamily="18" charset="0"/>
                                 </a:rPr>
                               </m:ctrlPr>
                             </m:sSubPr>
                             <m:e>
                               <m:r>
-                                <a:rPr lang="pt-BR" b="0" i="1" smtClean="0">
+                                <a:rPr lang="pt-BR" i="1">
                                   <a:latin typeface="Cambria Math" panose="02040503050406030204" pitchFamily="18" charset="0"/>
                                 </a:rPr>
                                 <m:t>𝑥</m:t>
@@ -3148,7 +3322,7 @@
                             </m:e>
                             <m:sub>
                               <m:r>
-                                <a:rPr lang="pt-BR" b="0" i="1" smtClean="0">
+                                <a:rPr lang="pt-BR" i="1">
                                   <a:latin typeface="Cambria Math" panose="02040503050406030204" pitchFamily="18" charset="0"/>
                                 </a:rPr>
                                 <m:t>1</m:t>
@@ -3156,13 +3330,13 @@
                             </m:sub>
                           </m:sSub>
                           <m:r>
-                            <a:rPr lang="pt-BR" b="0" i="1" smtClean="0">
+                            <a:rPr lang="pt-BR" i="1">
                               <a:latin typeface="Cambria Math" panose="02040503050406030204" pitchFamily="18" charset="0"/>
                             </a:rPr>
                             <m:t>−</m:t>
                           </m:r>
                           <m:r>
-                            <a:rPr lang="pt-BR" b="0" i="1" smtClean="0">
+                            <a:rPr lang="pt-BR" i="1">
                               <a:latin typeface="Cambria Math" panose="02040503050406030204" pitchFamily="18" charset="0"/>
                               <a:ea typeface="Cambria Math" panose="02040503050406030204" pitchFamily="18" charset="0"/>
                             </a:rPr>
@@ -3171,7 +3345,7 @@
                         </m:num>
                         <m:den>
                           <m:r>
-                            <a:rPr lang="pt-BR" b="0" i="1" smtClean="0">
+                            <a:rPr lang="pt-BR" i="1">
                               <a:latin typeface="Cambria Math" panose="02040503050406030204" pitchFamily="18" charset="0"/>
                               <a:ea typeface="Cambria Math" panose="02040503050406030204" pitchFamily="18" charset="0"/>
                             </a:rPr>
@@ -3182,7 +3356,49 @@
                     </m:oMath>
                   </m:oMathPara>
                 </a14:m>
-                <a:endParaRPr lang="pt-BR" dirty="0" smtClean="0"/>
+                <a:endParaRPr lang="pt-BR" dirty="0"/>
+              </a:p>
+              <a:p>
+                <a:pPr marL="0" indent="0">
+                  <a:buNone/>
+                </a:pPr>
+                <a:r>
+                  <a:rPr lang="pt-BR" dirty="0"/>
+                  <a:t>Isolando </a:t>
+                </a:r>
+                <a14:m>
+                  <m:oMath xmlns:m="http://schemas.openxmlformats.org/officeDocument/2006/math">
+                    <m:sSub>
+                      <m:sSubPr>
+                        <m:ctrlPr>
+                          <a:rPr lang="pt-BR" i="1">
+                            <a:latin typeface="Cambria Math" panose="02040503050406030204" pitchFamily="18" charset="0"/>
+                          </a:rPr>
+                        </m:ctrlPr>
+                      </m:sSubPr>
+                      <m:e>
+                        <m:r>
+                          <a:rPr lang="pt-BR" i="1">
+                            <a:latin typeface="Cambria Math" panose="02040503050406030204" pitchFamily="18" charset="0"/>
+                          </a:rPr>
+                          <m:t>𝑥</m:t>
+                        </m:r>
+                      </m:e>
+                      <m:sub>
+                        <m:r>
+                          <a:rPr lang="pt-BR" i="1">
+                            <a:latin typeface="Cambria Math" panose="02040503050406030204" pitchFamily="18" charset="0"/>
+                          </a:rPr>
+                          <m:t>1</m:t>
+                        </m:r>
+                      </m:sub>
+                    </m:sSub>
+                  </m:oMath>
+                </a14:m>
+                <a:r>
+                  <a:rPr lang="pt-BR" dirty="0"/>
+                  <a:t>, temos</a:t>
+                </a:r>
               </a:p>
               <a:p>
                 <a:pPr marL="0" indent="0">
@@ -3197,14 +3413,14 @@
                       <m:sSub>
                         <m:sSubPr>
                           <m:ctrlPr>
-                            <a:rPr lang="pt-BR" b="0" i="1" smtClean="0">
+                            <a:rPr lang="pt-BR" i="1">
                               <a:latin typeface="Cambria Math" panose="02040503050406030204" pitchFamily="18" charset="0"/>
                             </a:rPr>
                           </m:ctrlPr>
                         </m:sSubPr>
                         <m:e>
                           <m:r>
-                            <a:rPr lang="pt-BR" b="0" i="1" smtClean="0">
+                            <a:rPr lang="pt-BR" i="1">
                               <a:latin typeface="Cambria Math" panose="02040503050406030204" pitchFamily="18" charset="0"/>
                             </a:rPr>
                             <m:t>𝑥</m:t>
@@ -3212,7 +3428,7 @@
                         </m:e>
                         <m:sub>
                           <m:r>
-                            <a:rPr lang="pt-BR" b="0" i="1" smtClean="0">
+                            <a:rPr lang="pt-BR" i="1">
                               <a:latin typeface="Cambria Math" panose="02040503050406030204" pitchFamily="18" charset="0"/>
                             </a:rPr>
                             <m:t>1</m:t>
@@ -3220,7 +3436,7 @@
                         </m:sub>
                       </m:sSub>
                       <m:r>
-                        <a:rPr lang="pt-BR" b="0" i="1" smtClean="0">
+                        <a:rPr lang="pt-BR" i="1">
                           <a:latin typeface="Cambria Math" panose="02040503050406030204" pitchFamily="18" charset="0"/>
                         </a:rPr>
                         <m:t>=</m:t>
@@ -3228,14 +3444,14 @@
                       <m:sSubSup>
                         <m:sSubSupPr>
                           <m:ctrlPr>
-                            <a:rPr lang="pt-BR" i="1" smtClean="0">
+                            <a:rPr lang="pt-BR" i="1">
                               <a:latin typeface="Cambria Math" panose="02040503050406030204" pitchFamily="18" charset="0"/>
                             </a:rPr>
                           </m:ctrlPr>
                         </m:sSubSupPr>
                         <m:e>
                           <m:r>
-                            <a:rPr lang="pt-BR" b="0" i="1" smtClean="0">
+                            <a:rPr lang="pt-BR" i="1">
                               <a:latin typeface="Cambria Math" panose="02040503050406030204" pitchFamily="18" charset="0"/>
                             </a:rPr>
                             <m:t>𝑥</m:t>
@@ -3243,7 +3459,7 @@
                         </m:e>
                         <m:sub>
                           <m:r>
-                            <a:rPr lang="pt-BR" b="0" i="1" smtClean="0">
+                            <a:rPr lang="pt-BR" i="1">
                               <a:latin typeface="Cambria Math" panose="02040503050406030204" pitchFamily="18" charset="0"/>
                             </a:rPr>
                             <m:t>1</m:t>
@@ -3251,7 +3467,7 @@
                         </m:sub>
                         <m:sup>
                           <m:r>
-                            <a:rPr lang="pt-BR" b="0" i="1" smtClean="0">
+                            <a:rPr lang="pt-BR" i="1">
                               <a:latin typeface="Cambria Math" panose="02040503050406030204" pitchFamily="18" charset="0"/>
                             </a:rPr>
                             <m:t>′</m:t>
@@ -3259,21 +3475,21 @@
                         </m:sup>
                       </m:sSubSup>
                       <m:r>
-                        <a:rPr lang="pt-BR" b="0" i="1" smtClean="0">
+                        <a:rPr lang="pt-BR" i="1">
                           <a:latin typeface="Cambria Math" panose="02040503050406030204" pitchFamily="18" charset="0"/>
                           <a:ea typeface="Cambria Math" panose="02040503050406030204" pitchFamily="18" charset="0"/>
                         </a:rPr>
                         <m:t>𝜎</m:t>
                       </m:r>
                       <m:r>
-                        <a:rPr lang="pt-BR" b="0" i="1" smtClean="0">
+                        <a:rPr lang="pt-BR" i="1">
                           <a:latin typeface="Cambria Math" panose="02040503050406030204" pitchFamily="18" charset="0"/>
                           <a:ea typeface="Cambria Math" panose="02040503050406030204" pitchFamily="18" charset="0"/>
                         </a:rPr>
                         <m:t>+</m:t>
                       </m:r>
                       <m:r>
-                        <a:rPr lang="pt-BR" b="0" i="1" smtClean="0">
+                        <a:rPr lang="pt-BR" i="1">
                           <a:latin typeface="Cambria Math" panose="02040503050406030204" pitchFamily="18" charset="0"/>
                           <a:ea typeface="Cambria Math" panose="02040503050406030204" pitchFamily="18" charset="0"/>
                         </a:rPr>
@@ -3282,13 +3498,49 @@
                     </m:oMath>
                   </m:oMathPara>
                 </a14:m>
-                <a:endParaRPr lang="pt-BR" dirty="0" smtClean="0"/>
+                <a:endParaRPr lang="pt-BR" dirty="0"/>
               </a:p>
               <a:p>
                 <a:pPr marL="0" indent="0">
                   <a:buNone/>
                 </a:pPr>
-                <a:endParaRPr lang="pt-BR" dirty="0" smtClean="0"/>
+                <a:r>
+                  <a:rPr lang="pt-BR" dirty="0"/>
+                  <a:t>Substituindo </a:t>
+                </a:r>
+                <a14:m>
+                  <m:oMath xmlns:m="http://schemas.openxmlformats.org/officeDocument/2006/math">
+                    <m:sSub>
+                      <m:sSubPr>
+                        <m:ctrlPr>
+                          <a:rPr lang="pt-BR" i="1">
+                            <a:latin typeface="Cambria Math" panose="02040503050406030204" pitchFamily="18" charset="0"/>
+                          </a:rPr>
+                        </m:ctrlPr>
+                      </m:sSubPr>
+                      <m:e>
+                        <m:r>
+                          <a:rPr lang="pt-BR" i="1">
+                            <a:latin typeface="Cambria Math" panose="02040503050406030204" pitchFamily="18" charset="0"/>
+                          </a:rPr>
+                          <m:t>𝑥</m:t>
+                        </m:r>
+                      </m:e>
+                      <m:sub>
+                        <m:r>
+                          <a:rPr lang="pt-BR" i="1">
+                            <a:latin typeface="Cambria Math" panose="02040503050406030204" pitchFamily="18" charset="0"/>
+                          </a:rPr>
+                          <m:t>1</m:t>
+                        </m:r>
+                      </m:sub>
+                    </m:sSub>
+                  </m:oMath>
+                </a14:m>
+                <a:r>
+                  <a:rPr lang="pt-BR" dirty="0"/>
+                  <a:t> na função hipótese, tem-se</a:t>
+                </a:r>
               </a:p>
               <a:p>
                 <a:pPr marL="0" indent="0">
@@ -3300,14 +3552,26 @@
                       <m:jc m:val="centerGroup"/>
                     </m:oMathParaPr>
                     <m:oMath xmlns:m="http://schemas.openxmlformats.org/officeDocument/2006/math">
+                      <m:acc>
+                        <m:accPr>
+                          <m:chr m:val="̂"/>
+                          <m:ctrlPr>
+                            <a:rPr lang="pt-BR" i="1">
+                              <a:latin typeface="Cambria Math" panose="02040503050406030204" pitchFamily="18" charset="0"/>
+                            </a:rPr>
+                          </m:ctrlPr>
+                        </m:accPr>
+                        <m:e>
+                          <m:r>
+                            <a:rPr lang="pt-BR" i="1">
+                              <a:latin typeface="Cambria Math" panose="02040503050406030204" pitchFamily="18" charset="0"/>
+                            </a:rPr>
+                            <m:t>𝑦</m:t>
+                          </m:r>
+                        </m:e>
+                      </m:acc>
                       <m:r>
-                        <a:rPr lang="pt-BR" b="0" i="1" smtClean="0">
-                          <a:latin typeface="Cambria Math" panose="02040503050406030204" pitchFamily="18" charset="0"/>
-                        </a:rPr>
-                        <m:t>𝑦</m:t>
-                      </m:r>
-                      <m:r>
-                        <a:rPr lang="pt-BR" b="0" i="1" smtClean="0">
+                        <a:rPr lang="pt-BR" i="1">
                           <a:latin typeface="Cambria Math" panose="02040503050406030204" pitchFamily="18" charset="0"/>
                         </a:rPr>
                         <m:t>=</m:t>
@@ -3315,55 +3579,107 @@
                       <m:sSub>
                         <m:sSubPr>
                           <m:ctrlPr>
-                            <a:rPr lang="pt-BR" b="0" i="1" smtClean="0">
+                            <a:rPr lang="pt-BR" i="1">
                               <a:latin typeface="Cambria Math" panose="02040503050406030204" pitchFamily="18" charset="0"/>
                             </a:rPr>
                           </m:ctrlPr>
                         </m:sSubPr>
                         <m:e>
-                          <m:r>
-                            <a:rPr lang="pt-BR" b="0" i="1" smtClean="0">
-                              <a:latin typeface="Cambria Math" panose="02040503050406030204" pitchFamily="18" charset="0"/>
-                            </a:rPr>
-                            <m:t>𝑎</m:t>
-                          </m:r>
+                          <m:acc>
+                            <m:accPr>
+                              <m:chr m:val="̂"/>
+                              <m:ctrlPr>
+                                <a:rPr lang="pt-BR" i="1">
+                                  <a:latin typeface="Cambria Math" panose="02040503050406030204" pitchFamily="18" charset="0"/>
+                                </a:rPr>
+                              </m:ctrlPr>
+                            </m:accPr>
+                            <m:e>
+                              <m:r>
+                                <a:rPr lang="pt-BR" i="1">
+                                  <a:latin typeface="Cambria Math" panose="02040503050406030204" pitchFamily="18" charset="0"/>
+                                </a:rPr>
+                                <m:t>𝑎</m:t>
+                              </m:r>
+                            </m:e>
+                          </m:acc>
                         </m:e>
                         <m:sub>
                           <m:r>
-                            <a:rPr lang="pt-BR" b="0" i="1" smtClean="0">
+                            <a:rPr lang="pt-BR" i="1">
                               <a:latin typeface="Cambria Math" panose="02040503050406030204" pitchFamily="18" charset="0"/>
                             </a:rPr>
                             <m:t>1</m:t>
                           </m:r>
                         </m:sub>
                       </m:sSub>
-                      <m:sSub>
-                        <m:sSubPr>
+                      <m:d>
+                        <m:dPr>
                           <m:ctrlPr>
-                            <a:rPr lang="pt-BR" b="0" i="1" smtClean="0">
+                            <a:rPr lang="pt-BR" i="1">
                               <a:latin typeface="Cambria Math" panose="02040503050406030204" pitchFamily="18" charset="0"/>
                             </a:rPr>
                           </m:ctrlPr>
-                        </m:sSubPr>
+                        </m:dPr>
                         <m:e>
+                          <m:sSubSup>
+                            <m:sSubSupPr>
+                              <m:ctrlPr>
+                                <a:rPr lang="pt-BR" i="1">
+                                  <a:latin typeface="Cambria Math" panose="02040503050406030204" pitchFamily="18" charset="0"/>
+                                </a:rPr>
+                              </m:ctrlPr>
+                            </m:sSubSupPr>
+                            <m:e>
+                              <m:r>
+                                <a:rPr lang="pt-BR" i="1">
+                                  <a:latin typeface="Cambria Math" panose="02040503050406030204" pitchFamily="18" charset="0"/>
+                                </a:rPr>
+                                <m:t>𝑥</m:t>
+                              </m:r>
+                            </m:e>
+                            <m:sub>
+                              <m:r>
+                                <a:rPr lang="pt-BR" i="1">
+                                  <a:latin typeface="Cambria Math" panose="02040503050406030204" pitchFamily="18" charset="0"/>
+                                </a:rPr>
+                                <m:t>1</m:t>
+                              </m:r>
+                            </m:sub>
+                            <m:sup>
+                              <m:r>
+                                <a:rPr lang="pt-BR" i="1">
+                                  <a:latin typeface="Cambria Math" panose="02040503050406030204" pitchFamily="18" charset="0"/>
+                                </a:rPr>
+                                <m:t>′</m:t>
+                              </m:r>
+                            </m:sup>
+                          </m:sSubSup>
                           <m:r>
-                            <a:rPr lang="pt-BR" b="0" i="1" smtClean="0">
-                              <a:latin typeface="Cambria Math" panose="02040503050406030204" pitchFamily="18" charset="0"/>
-                            </a:rPr>
-                            <m:t>𝑥</m:t>
+                            <a:rPr lang="pt-BR" i="1">
+                              <a:latin typeface="Cambria Math" panose="02040503050406030204" pitchFamily="18" charset="0"/>
+                              <a:ea typeface="Cambria Math" panose="02040503050406030204" pitchFamily="18" charset="0"/>
+                            </a:rPr>
+                            <m:t>𝜎</m:t>
+                          </m:r>
+                          <m:r>
+                            <a:rPr lang="pt-BR" i="1">
+                              <a:latin typeface="Cambria Math" panose="02040503050406030204" pitchFamily="18" charset="0"/>
+                              <a:ea typeface="Cambria Math" panose="02040503050406030204" pitchFamily="18" charset="0"/>
+                            </a:rPr>
+                            <m:t>+</m:t>
+                          </m:r>
+                          <m:r>
+                            <a:rPr lang="pt-BR" i="1">
+                              <a:latin typeface="Cambria Math" panose="02040503050406030204" pitchFamily="18" charset="0"/>
+                              <a:ea typeface="Cambria Math" panose="02040503050406030204" pitchFamily="18" charset="0"/>
+                            </a:rPr>
+                            <m:t>𝜇</m:t>
                           </m:r>
                         </m:e>
-                        <m:sub>
-                          <m:r>
-                            <a:rPr lang="pt-BR" b="0" i="1" smtClean="0">
-                              <a:latin typeface="Cambria Math" panose="02040503050406030204" pitchFamily="18" charset="0"/>
-                            </a:rPr>
-                            <m:t>1</m:t>
-                          </m:r>
-                        </m:sub>
-                      </m:sSub>
+                      </m:d>
                       <m:r>
-                        <a:rPr lang="pt-BR" b="0" i="1" smtClean="0">
+                        <a:rPr lang="pt-BR">
                           <a:latin typeface="Cambria Math" panose="02040503050406030204" pitchFamily="18" charset="0"/>
                         </a:rPr>
                         <m:t>=</m:t>
@@ -3371,118 +3687,34 @@
                       <m:sSub>
                         <m:sSubPr>
                           <m:ctrlPr>
-                            <a:rPr lang="pt-BR" b="0" i="1" smtClean="0">
+                            <a:rPr lang="pt-BR" i="1">
                               <a:latin typeface="Cambria Math" panose="02040503050406030204" pitchFamily="18" charset="0"/>
                             </a:rPr>
                           </m:ctrlPr>
                         </m:sSubPr>
                         <m:e>
-                          <m:r>
-                            <a:rPr lang="pt-BR" b="0" i="1" smtClean="0">
-                              <a:latin typeface="Cambria Math" panose="02040503050406030204" pitchFamily="18" charset="0"/>
-                            </a:rPr>
-                            <m:t>𝑎</m:t>
-                          </m:r>
+                          <m:acc>
+                            <m:accPr>
+                              <m:chr m:val="̂"/>
+                              <m:ctrlPr>
+                                <a:rPr lang="pt-BR" i="1">
+                                  <a:latin typeface="Cambria Math" panose="02040503050406030204" pitchFamily="18" charset="0"/>
+                                </a:rPr>
+                              </m:ctrlPr>
+                            </m:accPr>
+                            <m:e>
+                              <m:r>
+                                <a:rPr lang="pt-BR" i="1">
+                                  <a:latin typeface="Cambria Math" panose="02040503050406030204" pitchFamily="18" charset="0"/>
+                                </a:rPr>
+                                <m:t>𝑎</m:t>
+                              </m:r>
+                            </m:e>
+                          </m:acc>
                         </m:e>
                         <m:sub>
                           <m:r>
-                            <a:rPr lang="pt-BR" b="0" i="1" smtClean="0">
-                              <a:latin typeface="Cambria Math" panose="02040503050406030204" pitchFamily="18" charset="0"/>
-                            </a:rPr>
-                            <m:t>1</m:t>
-                          </m:r>
-                        </m:sub>
-                      </m:sSub>
-                      <m:d>
-                        <m:dPr>
-                          <m:ctrlPr>
-                            <a:rPr lang="pt-BR" b="0" i="0" smtClean="0">
-                              <a:latin typeface="Cambria Math" panose="02040503050406030204" pitchFamily="18" charset="0"/>
-                            </a:rPr>
-                          </m:ctrlPr>
-                        </m:dPr>
-                        <m:e>
-                          <m:sSubSup>
-                            <m:sSubSupPr>
-                              <m:ctrlPr>
-                                <a:rPr lang="pt-BR" i="1" smtClean="0">
-                                  <a:latin typeface="Cambria Math" panose="02040503050406030204" pitchFamily="18" charset="0"/>
-                                </a:rPr>
-                              </m:ctrlPr>
-                            </m:sSubSupPr>
-                            <m:e>
-                              <m:r>
-                                <a:rPr lang="pt-BR" b="0" i="1" smtClean="0">
-                                  <a:latin typeface="Cambria Math" panose="02040503050406030204" pitchFamily="18" charset="0"/>
-                                </a:rPr>
-                                <m:t>𝑥</m:t>
-                              </m:r>
-                            </m:e>
-                            <m:sub>
-                              <m:r>
-                                <a:rPr lang="pt-BR" b="0" i="1" smtClean="0">
-                                  <a:latin typeface="Cambria Math" panose="02040503050406030204" pitchFamily="18" charset="0"/>
-                                </a:rPr>
-                                <m:t>1</m:t>
-                              </m:r>
-                            </m:sub>
-                            <m:sup>
-                              <m:r>
-                                <a:rPr lang="pt-BR" b="0" i="1" smtClean="0">
-                                  <a:latin typeface="Cambria Math" panose="02040503050406030204" pitchFamily="18" charset="0"/>
-                                </a:rPr>
-                                <m:t>′</m:t>
-                              </m:r>
-                            </m:sup>
-                          </m:sSubSup>
-                          <m:r>
-                            <a:rPr lang="pt-BR" b="0" i="1" smtClean="0">
-                              <a:latin typeface="Cambria Math" panose="02040503050406030204" pitchFamily="18" charset="0"/>
-                              <a:ea typeface="Cambria Math" panose="02040503050406030204" pitchFamily="18" charset="0"/>
-                            </a:rPr>
-                            <m:t>𝜎</m:t>
-                          </m:r>
-                          <m:r>
-                            <a:rPr lang="pt-BR" b="0" i="1" smtClean="0">
-                              <a:latin typeface="Cambria Math" panose="02040503050406030204" pitchFamily="18" charset="0"/>
-                              <a:ea typeface="Cambria Math" panose="02040503050406030204" pitchFamily="18" charset="0"/>
-                            </a:rPr>
-                            <m:t>+</m:t>
-                          </m:r>
-                          <m:r>
-                            <a:rPr lang="pt-BR" b="0" i="1" smtClean="0">
-                              <a:latin typeface="Cambria Math" panose="02040503050406030204" pitchFamily="18" charset="0"/>
-                              <a:ea typeface="Cambria Math" panose="02040503050406030204" pitchFamily="18" charset="0"/>
-                            </a:rPr>
-                            <m:t>𝜇</m:t>
-                          </m:r>
-                        </m:e>
-                      </m:d>
-                      <m:r>
-                        <a:rPr lang="pt-BR" b="0" i="0" smtClean="0">
-                          <a:latin typeface="Cambria Math" panose="02040503050406030204" pitchFamily="18" charset="0"/>
-                        </a:rPr>
-                        <m:t>=</m:t>
-                      </m:r>
-                      <m:sSub>
-                        <m:sSubPr>
-                          <m:ctrlPr>
-                            <a:rPr lang="pt-BR" b="0" i="1" smtClean="0">
-                              <a:latin typeface="Cambria Math" panose="02040503050406030204" pitchFamily="18" charset="0"/>
-                            </a:rPr>
-                          </m:ctrlPr>
-                        </m:sSubPr>
-                        <m:e>
-                          <m:r>
-                            <a:rPr lang="pt-BR" b="0" i="1" smtClean="0">
-                              <a:latin typeface="Cambria Math" panose="02040503050406030204" pitchFamily="18" charset="0"/>
-                            </a:rPr>
-                            <m:t>𝑎</m:t>
-                          </m:r>
-                        </m:e>
-                        <m:sub>
-                          <m:r>
-                            <a:rPr lang="pt-BR" b="0" i="1" smtClean="0">
+                            <a:rPr lang="pt-BR" i="1">
                               <a:latin typeface="Cambria Math" panose="02040503050406030204" pitchFamily="18" charset="0"/>
                             </a:rPr>
                             <m:t>1</m:t>
@@ -3490,7 +3722,7 @@
                         </m:sub>
                       </m:sSub>
                       <m:r>
-                        <a:rPr lang="pt-BR" b="0" i="1" smtClean="0">
+                        <a:rPr lang="pt-BR" i="1">
                           <a:latin typeface="Cambria Math" panose="02040503050406030204" pitchFamily="18" charset="0"/>
                           <a:ea typeface="Cambria Math" panose="02040503050406030204" pitchFamily="18" charset="0"/>
                         </a:rPr>
@@ -3499,14 +3731,14 @@
                       <m:sSubSup>
                         <m:sSubSupPr>
                           <m:ctrlPr>
-                            <a:rPr lang="pt-BR" i="1" smtClean="0">
+                            <a:rPr lang="pt-BR" i="1">
                               <a:latin typeface="Cambria Math" panose="02040503050406030204" pitchFamily="18" charset="0"/>
                             </a:rPr>
                           </m:ctrlPr>
                         </m:sSubSupPr>
                         <m:e>
                           <m:r>
-                            <a:rPr lang="pt-BR" b="0" i="1" smtClean="0">
+                            <a:rPr lang="pt-BR" i="1">
                               <a:latin typeface="Cambria Math" panose="02040503050406030204" pitchFamily="18" charset="0"/>
                             </a:rPr>
                             <m:t>𝑥</m:t>
@@ -3514,7 +3746,7 @@
                         </m:e>
                         <m:sub>
                           <m:r>
-                            <a:rPr lang="pt-BR" b="0" i="1" smtClean="0">
+                            <a:rPr lang="pt-BR" i="1">
                               <a:latin typeface="Cambria Math" panose="02040503050406030204" pitchFamily="18" charset="0"/>
                             </a:rPr>
                             <m:t>1</m:t>
@@ -3522,7 +3754,7 @@
                         </m:sub>
                         <m:sup>
                           <m:r>
-                            <a:rPr lang="pt-BR" b="0" i="1" smtClean="0">
+                            <a:rPr lang="pt-BR" i="1">
                               <a:latin typeface="Cambria Math" panose="02040503050406030204" pitchFamily="18" charset="0"/>
                             </a:rPr>
                             <m:t>′</m:t>
@@ -3530,7 +3762,7 @@
                         </m:sup>
                       </m:sSubSup>
                       <m:r>
-                        <a:rPr lang="pt-BR" b="0" i="0" smtClean="0">
+                        <a:rPr lang="pt-BR">
                           <a:latin typeface="Cambria Math" panose="02040503050406030204" pitchFamily="18" charset="0"/>
                         </a:rPr>
                         <m:t>+</m:t>
@@ -3538,22 +3770,34 @@
                       <m:sSub>
                         <m:sSubPr>
                           <m:ctrlPr>
-                            <a:rPr lang="pt-BR" b="0" i="1" smtClean="0">
+                            <a:rPr lang="pt-BR" i="1">
                               <a:latin typeface="Cambria Math" panose="02040503050406030204" pitchFamily="18" charset="0"/>
                             </a:rPr>
                           </m:ctrlPr>
                         </m:sSubPr>
                         <m:e>
-                          <m:r>
-                            <a:rPr lang="pt-BR" b="0" i="1" smtClean="0">
-                              <a:latin typeface="Cambria Math" panose="02040503050406030204" pitchFamily="18" charset="0"/>
-                            </a:rPr>
-                            <m:t>𝑎</m:t>
-                          </m:r>
+                          <m:acc>
+                            <m:accPr>
+                              <m:chr m:val="̂"/>
+                              <m:ctrlPr>
+                                <a:rPr lang="pt-BR" i="1">
+                                  <a:latin typeface="Cambria Math" panose="02040503050406030204" pitchFamily="18" charset="0"/>
+                                </a:rPr>
+                              </m:ctrlPr>
+                            </m:accPr>
+                            <m:e>
+                              <m:r>
+                                <a:rPr lang="pt-BR" i="1">
+                                  <a:latin typeface="Cambria Math" panose="02040503050406030204" pitchFamily="18" charset="0"/>
+                                </a:rPr>
+                                <m:t>𝑎</m:t>
+                              </m:r>
+                            </m:e>
+                          </m:acc>
                         </m:e>
                         <m:sub>
                           <m:r>
-                            <a:rPr lang="pt-BR" b="0" i="1" smtClean="0">
+                            <a:rPr lang="pt-BR" i="1">
                               <a:latin typeface="Cambria Math" panose="02040503050406030204" pitchFamily="18" charset="0"/>
                             </a:rPr>
                             <m:t>1</m:t>
@@ -3561,7 +3805,7 @@
                         </m:sub>
                       </m:sSub>
                       <m:r>
-                        <a:rPr lang="pt-BR" b="0" i="1" smtClean="0">
+                        <a:rPr lang="pt-BR" i="1">
                           <a:latin typeface="Cambria Math" panose="02040503050406030204" pitchFamily="18" charset="0"/>
                           <a:ea typeface="Cambria Math" panose="02040503050406030204" pitchFamily="18" charset="0"/>
                         </a:rPr>
@@ -3570,14 +3814,14 @@
                     </m:oMath>
                   </m:oMathPara>
                 </a14:m>
-                <a:endParaRPr lang="pt-BR" dirty="0" smtClean="0"/>
+                <a:endParaRPr lang="pt-BR" dirty="0"/>
               </a:p>
               <a:p>
                 <a:pPr marL="0" indent="0">
                   <a:buNone/>
                 </a:pPr>
                 <a:r>
-                  <a:rPr lang="pt-BR" dirty="0" smtClean="0"/>
+                  <a:rPr lang="pt-BR" dirty="0"/>
                   <a:t>Como </a:t>
                 </a:r>
                 <a14:m>
@@ -3585,14 +3829,14 @@
                     <m:sSub>
                       <m:sSubPr>
                         <m:ctrlPr>
-                          <a:rPr lang="pt-BR" b="0" i="1" smtClean="0">
+                          <a:rPr lang="pt-BR" i="1">
                             <a:latin typeface="Cambria Math" panose="02040503050406030204" pitchFamily="18" charset="0"/>
                           </a:rPr>
                         </m:ctrlPr>
                       </m:sSubPr>
                       <m:e>
                         <m:r>
-                          <a:rPr lang="pt-BR" b="0" i="1" smtClean="0">
+                          <a:rPr lang="pt-BR" i="1">
                             <a:latin typeface="Cambria Math" panose="02040503050406030204" pitchFamily="18" charset="0"/>
                           </a:rPr>
                           <m:t>𝑥</m:t>
@@ -3600,7 +3844,7 @@
                       </m:e>
                       <m:sub>
                         <m:r>
-                          <a:rPr lang="pt-BR" b="0" i="1" smtClean="0">
+                          <a:rPr lang="pt-BR" i="1">
                             <a:latin typeface="Cambria Math" panose="02040503050406030204" pitchFamily="18" charset="0"/>
                           </a:rPr>
                           <m:t>1</m:t>
@@ -3610,20 +3854,20 @@
                   </m:oMath>
                 </a14:m>
                 <a:r>
-                  <a:rPr lang="pt-BR" dirty="0" smtClean="0"/>
-                  <a:t>tem </a:t>
+                  <a:rPr lang="pt-BR" dirty="0"/>
+                  <a:t> tem </a:t>
                 </a:r>
                 <a14:m>
                   <m:oMath xmlns:m="http://schemas.openxmlformats.org/officeDocument/2006/math">
                     <m:r>
-                      <a:rPr lang="pt-BR" b="0" i="1" smtClean="0">
+                      <a:rPr lang="pt-BR" i="1">
                         <a:latin typeface="Cambria Math" panose="02040503050406030204" pitchFamily="18" charset="0"/>
                         <a:ea typeface="Cambria Math" panose="02040503050406030204" pitchFamily="18" charset="0"/>
                       </a:rPr>
                       <m:t>𝜇</m:t>
                     </m:r>
                     <m:r>
-                      <a:rPr lang="pt-BR" b="0" i="1" smtClean="0">
+                      <a:rPr lang="pt-BR" i="1">
                         <a:latin typeface="Cambria Math" panose="02040503050406030204" pitchFamily="18" charset="0"/>
                         <a:ea typeface="Cambria Math" panose="02040503050406030204" pitchFamily="18" charset="0"/>
                       </a:rPr>
@@ -3632,7 +3876,7 @@
                   </m:oMath>
                 </a14:m>
                 <a:r>
-                  <a:rPr lang="pt-BR" dirty="0" smtClean="0"/>
+                  <a:rPr lang="pt-BR" dirty="0"/>
                   <a:t>, então</a:t>
                 </a:r>
               </a:p>
@@ -3646,14 +3890,26 @@
                       <m:jc m:val="centerGroup"/>
                     </m:oMathParaPr>
                     <m:oMath xmlns:m="http://schemas.openxmlformats.org/officeDocument/2006/math">
+                      <m:acc>
+                        <m:accPr>
+                          <m:chr m:val="̂"/>
+                          <m:ctrlPr>
+                            <a:rPr lang="pt-BR" i="1">
+                              <a:latin typeface="Cambria Math" panose="02040503050406030204" pitchFamily="18" charset="0"/>
+                            </a:rPr>
+                          </m:ctrlPr>
+                        </m:accPr>
+                        <m:e>
+                          <m:r>
+                            <a:rPr lang="pt-BR" i="1">
+                              <a:latin typeface="Cambria Math" panose="02040503050406030204" pitchFamily="18" charset="0"/>
+                            </a:rPr>
+                            <m:t>𝑦</m:t>
+                          </m:r>
+                        </m:e>
+                      </m:acc>
                       <m:r>
-                        <a:rPr lang="pt-BR" b="0" i="1" smtClean="0">
-                          <a:latin typeface="Cambria Math" panose="02040503050406030204" pitchFamily="18" charset="0"/>
-                        </a:rPr>
-                        <m:t>𝑦</m:t>
-                      </m:r>
-                      <m:r>
-                        <a:rPr lang="pt-BR" b="0" i="1" smtClean="0">
+                        <a:rPr lang="pt-BR" i="1">
                           <a:latin typeface="Cambria Math" panose="02040503050406030204" pitchFamily="18" charset="0"/>
                         </a:rPr>
                         <m:t>=</m:t>
@@ -3661,22 +3917,34 @@
                       <m:sSub>
                         <m:sSubPr>
                           <m:ctrlPr>
-                            <a:rPr lang="pt-BR" b="0" i="1" smtClean="0">
+                            <a:rPr lang="pt-BR" i="1">
                               <a:latin typeface="Cambria Math" panose="02040503050406030204" pitchFamily="18" charset="0"/>
                             </a:rPr>
                           </m:ctrlPr>
                         </m:sSubPr>
                         <m:e>
-                          <m:r>
-                            <a:rPr lang="pt-BR" b="0" i="1" smtClean="0">
-                              <a:latin typeface="Cambria Math" panose="02040503050406030204" pitchFamily="18" charset="0"/>
-                            </a:rPr>
-                            <m:t>𝑎</m:t>
-                          </m:r>
+                          <m:acc>
+                            <m:accPr>
+                              <m:chr m:val="̂"/>
+                              <m:ctrlPr>
+                                <a:rPr lang="pt-BR" i="1">
+                                  <a:latin typeface="Cambria Math" panose="02040503050406030204" pitchFamily="18" charset="0"/>
+                                </a:rPr>
+                              </m:ctrlPr>
+                            </m:accPr>
+                            <m:e>
+                              <m:r>
+                                <a:rPr lang="pt-BR" i="1">
+                                  <a:latin typeface="Cambria Math" panose="02040503050406030204" pitchFamily="18" charset="0"/>
+                                </a:rPr>
+                                <m:t>𝑎</m:t>
+                              </m:r>
+                            </m:e>
+                          </m:acc>
                         </m:e>
                         <m:sub>
                           <m:r>
-                            <a:rPr lang="pt-BR" b="0" i="1" smtClean="0">
+                            <a:rPr lang="pt-BR" i="1">
                               <a:latin typeface="Cambria Math" panose="02040503050406030204" pitchFamily="18" charset="0"/>
                             </a:rPr>
                             <m:t>1</m:t>
@@ -3684,7 +3952,7 @@
                         </m:sub>
                       </m:sSub>
                       <m:r>
-                        <a:rPr lang="pt-BR" b="0" i="1" smtClean="0">
+                        <a:rPr lang="pt-BR" i="1">
                           <a:latin typeface="Cambria Math" panose="02040503050406030204" pitchFamily="18" charset="0"/>
                           <a:ea typeface="Cambria Math" panose="02040503050406030204" pitchFamily="18" charset="0"/>
                         </a:rPr>
@@ -3693,14 +3961,14 @@
                       <m:sSubSup>
                         <m:sSubSupPr>
                           <m:ctrlPr>
-                            <a:rPr lang="pt-BR" i="1" smtClean="0">
+                            <a:rPr lang="pt-BR" i="1">
                               <a:latin typeface="Cambria Math" panose="02040503050406030204" pitchFamily="18" charset="0"/>
                             </a:rPr>
                           </m:ctrlPr>
                         </m:sSubSupPr>
                         <m:e>
                           <m:r>
-                            <a:rPr lang="pt-BR" b="0" i="1" smtClean="0">
+                            <a:rPr lang="pt-BR" i="1">
                               <a:latin typeface="Cambria Math" panose="02040503050406030204" pitchFamily="18" charset="0"/>
                             </a:rPr>
                             <m:t>𝑥</m:t>
@@ -3708,7 +3976,7 @@
                         </m:e>
                         <m:sub>
                           <m:r>
-                            <a:rPr lang="pt-BR" b="0" i="1" smtClean="0">
+                            <a:rPr lang="pt-BR" i="1">
                               <a:latin typeface="Cambria Math" panose="02040503050406030204" pitchFamily="18" charset="0"/>
                             </a:rPr>
                             <m:t>1</m:t>
@@ -3716,7 +3984,7 @@
                         </m:sub>
                         <m:sup>
                           <m:r>
-                            <a:rPr lang="pt-BR" b="0" i="1" smtClean="0">
+                            <a:rPr lang="pt-BR" i="1">
                               <a:latin typeface="Cambria Math" panose="02040503050406030204" pitchFamily="18" charset="0"/>
                             </a:rPr>
                             <m:t>′</m:t>
@@ -3726,6 +3994,251 @@
                     </m:oMath>
                   </m:oMathPara>
                 </a14:m>
+                <a:endParaRPr lang="pt-BR" dirty="0"/>
+              </a:p>
+              <a:p>
+                <a:pPr marL="0" indent="0">
+                  <a:buNone/>
+                </a:pPr>
+                <a:r>
+                  <a:rPr lang="pt-BR" dirty="0"/>
+                  <a:t>Podemos reescrever a equação acima como</a:t>
+                </a:r>
+              </a:p>
+              <a:p>
+                <a:pPr marL="0" indent="0">
+                  <a:buNone/>
+                </a:pPr>
+                <a14:m>
+                  <m:oMathPara xmlns:m="http://schemas.openxmlformats.org/officeDocument/2006/math">
+                    <m:oMathParaPr>
+                      <m:jc m:val="centerGroup"/>
+                    </m:oMathParaPr>
+                    <m:oMath xmlns:m="http://schemas.openxmlformats.org/officeDocument/2006/math">
+                      <m:acc>
+                        <m:accPr>
+                          <m:chr m:val="̂"/>
+                          <m:ctrlPr>
+                            <a:rPr lang="pt-BR" i="1">
+                              <a:latin typeface="Cambria Math" panose="02040503050406030204" pitchFamily="18" charset="0"/>
+                            </a:rPr>
+                          </m:ctrlPr>
+                        </m:accPr>
+                        <m:e>
+                          <m:r>
+                            <a:rPr lang="pt-BR" i="1">
+                              <a:latin typeface="Cambria Math" panose="02040503050406030204" pitchFamily="18" charset="0"/>
+                            </a:rPr>
+                            <m:t>𝑦</m:t>
+                          </m:r>
+                        </m:e>
+                      </m:acc>
+                      <m:r>
+                        <a:rPr lang="pt-BR" i="1">
+                          <a:latin typeface="Cambria Math" panose="02040503050406030204" pitchFamily="18" charset="0"/>
+                        </a:rPr>
+                        <m:t>=</m:t>
+                      </m:r>
+                      <m:sSub>
+                        <m:sSubPr>
+                          <m:ctrlPr>
+                            <a:rPr lang="pt-BR" i="1">
+                              <a:latin typeface="Cambria Math" panose="02040503050406030204" pitchFamily="18" charset="0"/>
+                            </a:rPr>
+                          </m:ctrlPr>
+                        </m:sSubPr>
+                        <m:e>
+                          <m:acc>
+                            <m:accPr>
+                              <m:chr m:val="̂"/>
+                              <m:ctrlPr>
+                                <a:rPr lang="pt-BR" i="1">
+                                  <a:latin typeface="Cambria Math" panose="02040503050406030204" pitchFamily="18" charset="0"/>
+                                </a:rPr>
+                              </m:ctrlPr>
+                            </m:accPr>
+                            <m:e>
+                              <m:r>
+                                <a:rPr lang="pt-BR" i="1">
+                                  <a:latin typeface="Cambria Math" panose="02040503050406030204" pitchFamily="18" charset="0"/>
+                                </a:rPr>
+                                <m:t>𝑎</m:t>
+                              </m:r>
+                            </m:e>
+                          </m:acc>
+                          <m:r>
+                            <a:rPr lang="pt-BR" i="1">
+                              <a:latin typeface="Cambria Math" panose="02040503050406030204" pitchFamily="18" charset="0"/>
+                            </a:rPr>
+                            <m:t>′</m:t>
+                          </m:r>
+                        </m:e>
+                        <m:sub>
+                          <m:r>
+                            <a:rPr lang="pt-BR" i="1">
+                              <a:latin typeface="Cambria Math" panose="02040503050406030204" pitchFamily="18" charset="0"/>
+                            </a:rPr>
+                            <m:t>1</m:t>
+                          </m:r>
+                        </m:sub>
+                      </m:sSub>
+                      <m:sSubSup>
+                        <m:sSubSupPr>
+                          <m:ctrlPr>
+                            <a:rPr lang="pt-BR" i="1">
+                              <a:latin typeface="Cambria Math" panose="02040503050406030204" pitchFamily="18" charset="0"/>
+                            </a:rPr>
+                          </m:ctrlPr>
+                        </m:sSubSupPr>
+                        <m:e>
+                          <m:r>
+                            <a:rPr lang="pt-BR" i="1">
+                              <a:latin typeface="Cambria Math" panose="02040503050406030204" pitchFamily="18" charset="0"/>
+                            </a:rPr>
+                            <m:t>𝑥</m:t>
+                          </m:r>
+                        </m:e>
+                        <m:sub>
+                          <m:r>
+                            <a:rPr lang="pt-BR" i="1">
+                              <a:latin typeface="Cambria Math" panose="02040503050406030204" pitchFamily="18" charset="0"/>
+                            </a:rPr>
+                            <m:t>1</m:t>
+                          </m:r>
+                        </m:sub>
+                        <m:sup>
+                          <m:r>
+                            <a:rPr lang="pt-BR" i="1">
+                              <a:latin typeface="Cambria Math" panose="02040503050406030204" pitchFamily="18" charset="0"/>
+                            </a:rPr>
+                            <m:t>′</m:t>
+                          </m:r>
+                        </m:sup>
+                      </m:sSubSup>
+                      <m:r>
+                        <a:rPr lang="pt-BR">
+                          <a:latin typeface="Cambria Math" panose="02040503050406030204" pitchFamily="18" charset="0"/>
+                        </a:rPr>
+                        <m:t>,</m:t>
+                      </m:r>
+                    </m:oMath>
+                  </m:oMathPara>
+                </a14:m>
+                <a:endParaRPr lang="pt-BR" dirty="0"/>
+              </a:p>
+              <a:p>
+                <a:pPr marL="0" indent="0">
+                  <a:buNone/>
+                </a:pPr>
+                <a:r>
+                  <a:rPr lang="pt-BR" dirty="0"/>
+                  <a:t>o</a:t>
+                </a:r>
+                <a:r>
+                  <a:rPr lang="pt-BR" dirty="0"/>
+                  <a:t>nde </a:t>
+                </a:r>
+                <a14:m>
+                  <m:oMath xmlns:m="http://schemas.openxmlformats.org/officeDocument/2006/math">
+                    <m:sSub>
+                      <m:sSubPr>
+                        <m:ctrlPr>
+                          <a:rPr lang="pt-BR" i="1">
+                            <a:latin typeface="Cambria Math" panose="02040503050406030204" pitchFamily="18" charset="0"/>
+                          </a:rPr>
+                        </m:ctrlPr>
+                      </m:sSubPr>
+                      <m:e>
+                        <m:acc>
+                          <m:accPr>
+                            <m:chr m:val="̂"/>
+                            <m:ctrlPr>
+                              <a:rPr lang="pt-BR" i="1">
+                                <a:latin typeface="Cambria Math" panose="02040503050406030204" pitchFamily="18" charset="0"/>
+                              </a:rPr>
+                            </m:ctrlPr>
+                          </m:accPr>
+                          <m:e>
+                            <m:r>
+                              <a:rPr lang="pt-BR" i="1">
+                                <a:latin typeface="Cambria Math" panose="02040503050406030204" pitchFamily="18" charset="0"/>
+                              </a:rPr>
+                              <m:t>𝑎</m:t>
+                            </m:r>
+                          </m:e>
+                        </m:acc>
+                        <m:r>
+                          <a:rPr lang="pt-BR" i="1">
+                            <a:latin typeface="Cambria Math" panose="02040503050406030204" pitchFamily="18" charset="0"/>
+                          </a:rPr>
+                          <m:t>′</m:t>
+                        </m:r>
+                      </m:e>
+                      <m:sub>
+                        <m:r>
+                          <a:rPr lang="pt-BR" i="1">
+                            <a:latin typeface="Cambria Math" panose="02040503050406030204" pitchFamily="18" charset="0"/>
+                          </a:rPr>
+                          <m:t>1</m:t>
+                        </m:r>
+                      </m:sub>
+                    </m:sSub>
+                    <m:r>
+                      <a:rPr lang="pt-BR" i="1">
+                        <a:latin typeface="Cambria Math" panose="02040503050406030204" pitchFamily="18" charset="0"/>
+                      </a:rPr>
+                      <m:t>=</m:t>
+                    </m:r>
+                    <m:sSub>
+                      <m:sSubPr>
+                        <m:ctrlPr>
+                          <a:rPr lang="pt-BR" i="1">
+                            <a:latin typeface="Cambria Math" panose="02040503050406030204" pitchFamily="18" charset="0"/>
+                          </a:rPr>
+                        </m:ctrlPr>
+                      </m:sSubPr>
+                      <m:e>
+                        <m:acc>
+                          <m:accPr>
+                            <m:chr m:val="̂"/>
+                            <m:ctrlPr>
+                              <a:rPr lang="pt-BR" i="1">
+                                <a:latin typeface="Cambria Math" panose="02040503050406030204" pitchFamily="18" charset="0"/>
+                              </a:rPr>
+                            </m:ctrlPr>
+                          </m:accPr>
+                          <m:e>
+                            <m:r>
+                              <a:rPr lang="pt-BR" i="1">
+                                <a:latin typeface="Cambria Math" panose="02040503050406030204" pitchFamily="18" charset="0"/>
+                              </a:rPr>
+                              <m:t>𝑎</m:t>
+                            </m:r>
+                          </m:e>
+                        </m:acc>
+                      </m:e>
+                      <m:sub>
+                        <m:r>
+                          <a:rPr lang="pt-BR" i="1">
+                            <a:latin typeface="Cambria Math" panose="02040503050406030204" pitchFamily="18" charset="0"/>
+                          </a:rPr>
+                          <m:t>1</m:t>
+                        </m:r>
+                      </m:sub>
+                    </m:sSub>
+                    <m:r>
+                      <a:rPr lang="pt-BR" i="1">
+                        <a:latin typeface="Cambria Math" panose="02040503050406030204" pitchFamily="18" charset="0"/>
+                        <a:ea typeface="Cambria Math" panose="02040503050406030204" pitchFamily="18" charset="0"/>
+                      </a:rPr>
+                      <m:t>𝜎</m:t>
+                    </m:r>
+                  </m:oMath>
+                </a14:m>
+                <a:r>
+                  <a:rPr lang="pt-BR" dirty="0" smtClean="0"/>
+                  <a:t>.</a:t>
+                </a:r>
                 <a:endParaRPr lang="pt-BR" dirty="0"/>
               </a:p>
             </p:txBody>
@@ -3743,10 +4256,14 @@
               </p:nvPr>
             </p:nvSpPr>
             <p:spPr>
+              <a:xfrm>
+                <a:off x="838199" y="1825624"/>
+                <a:ext cx="11005457" cy="5032375"/>
+              </a:xfrm>
               <a:blipFill rotWithShape="0">
                 <a:blip r:embed="rId2"/>
                 <a:stretch>
-                  <a:fillRect l="-1217"/>
+                  <a:fillRect l="-831" t="-2785"/>
                 </a:stretch>
               </a:blipFill>
             </p:spPr>
@@ -3768,7 +4285,7 @@
     </p:spTree>
     <p:extLst>
       <p:ext uri="{BB962C8B-B14F-4D97-AF65-F5344CB8AC3E}">
-        <p14:creationId xmlns:p14="http://schemas.microsoft.com/office/powerpoint/2010/main" val="2921693645"/>
+        <p14:creationId xmlns:p14="http://schemas.microsoft.com/office/powerpoint/2010/main" val="2548059392"/>
       </p:ext>
     </p:extLst>
   </p:cSld>
